--- a/Slides/05 - Managing Transactions.pptx
+++ b/Slides/05 - Managing Transactions.pptx
@@ -219,7 +219,7 @@
           <a:p>
             <a:fld id="{312E7B4A-039C-48A2-9B2C-AF16AA3873D8}" type="datetimeFigureOut">
               <a:rPr lang="en-US" smtClean="0"/>
-              <a:t>1/24/2015</a:t>
+              <a:t>1/26/2015</a:t>
             </a:fld>
             <a:endParaRPr lang="en-US"/>
           </a:p>
@@ -384,7 +384,7 @@
           <a:p>
             <a:fld id="{DA005A0C-54D9-45AA-87D4-C551D08DFCE1}" type="datetimeFigureOut">
               <a:rPr lang="en-US" smtClean="0"/>
-              <a:t>1/24/2015</a:t>
+              <a:t>1/26/2015</a:t>
             </a:fld>
             <a:endParaRPr lang="en-US"/>
           </a:p>
@@ -3452,15 +3452,7 @@
             <a:pPr marL="914400" indent="-914400"/>
             <a:r>
               <a:rPr lang="en-US" dirty="0" smtClean="0"/>
-              <a:t>05 </a:t>
-            </a:r>
-            <a:r>
-              <a:rPr lang="en-US" dirty="0" smtClean="0"/>
-              <a:t>| Managing </a:t>
-            </a:r>
-            <a:r>
-              <a:rPr lang="en-US" dirty="0" smtClean="0"/>
-              <a:t>transactions </a:t>
+              <a:t>05 | Managing transactions </a:t>
             </a:r>
             <a:r>
               <a:rPr lang="en-US" smtClean="0"/>
@@ -3487,8 +3479,17 @@
           <a:p>
             <a:r>
               <a:rPr lang="en-US" dirty="0" smtClean="0"/>
-              <a:t>Adam Tuliper | Developer Evangelist</a:t>
-            </a:r>
+              <a:t>Adam Tuliper </a:t>
+            </a:r>
+            <a:r>
+              <a:rPr lang="en-US" smtClean="0"/>
+              <a:t>| </a:t>
+            </a:r>
+            <a:r>
+              <a:rPr lang="en-US" smtClean="0"/>
+              <a:t>Technical Evangelist</a:t>
+            </a:r>
+            <a:endParaRPr lang="en-US" dirty="0" smtClean="0"/>
           </a:p>
           <a:p>
             <a:r>
@@ -7368,6 +7369,21 @@
 </file>
 
 <file path=customXml/item1.xml><?xml version="1.0" encoding="utf-8"?>
+<?mso-contentType ?>
+<FormTemplates xmlns="http://schemas.microsoft.com/sharepoint/v3/contenttype/forms">
+  <Display>DocumentLibraryForm</Display>
+  <Edit>DocumentLibraryForm</Edit>
+  <New>DocumentLibraryForm</New>
+</FormTemplates>
+</file>
+
+<file path=customXml/item2.xml><?xml version="1.0" encoding="utf-8"?>
+<p:properties xmlns:p="http://schemas.microsoft.com/office/2006/metadata/properties" xmlns:xsi="http://www.w3.org/2001/XMLSchema-instance" xmlns:pc="http://schemas.microsoft.com/office/infopath/2007/PartnerControls">
+  <documentManagement/>
+</p:properties>
+</file>
+
+<file path=customXml/item3.xml><?xml version="1.0" encoding="utf-8"?>
 <ct:contentTypeSchema xmlns:ct="http://schemas.microsoft.com/office/2006/metadata/contentType" xmlns:ma="http://schemas.microsoft.com/office/2006/metadata/properties/metaAttributes" ct:_="" ma:_="" ma:contentTypeName="Document" ma:contentTypeID="0x010100A9B9146463917044969030790F8D7E1F" ma:contentTypeVersion="1" ma:contentTypeDescription="Create a new document." ma:contentTypeScope="" ma:versionID="88cb810aac341a62f87e1e4b3de4b413">
   <xsd:schema xmlns:xsd="http://www.w3.org/2001/XMLSchema" xmlns:xs="http://www.w3.org/2001/XMLSchema" xmlns:p="http://schemas.microsoft.com/office/2006/metadata/properties" xmlns:ns3="239b4775-11ac-4188-ac69-b5b775bb2155" targetNamespace="http://schemas.microsoft.com/office/2006/metadata/properties" ma:root="true" ma:fieldsID="a6232b10dbb3dfcaf3920bb7009c4722" ns3:_="">
     <xsd:import namespace="239b4775-11ac-4188-ac69-b5b775bb2155"/>
@@ -7507,35 +7523,10 @@
 </ct:contentTypeSchema>
 </file>
 
-<file path=customXml/item2.xml><?xml version="1.0" encoding="utf-8"?>
-<p:properties xmlns:p="http://schemas.microsoft.com/office/2006/metadata/properties" xmlns:xsi="http://www.w3.org/2001/XMLSchema-instance" xmlns:pc="http://schemas.microsoft.com/office/infopath/2007/PartnerControls">
-  <documentManagement/>
-</p:properties>
-</file>
-
-<file path=customXml/item3.xml><?xml version="1.0" encoding="utf-8"?>
-<?mso-contentType ?>
-<FormTemplates xmlns="http://schemas.microsoft.com/sharepoint/v3/contenttype/forms">
-  <Display>DocumentLibraryForm</Display>
-  <Edit>DocumentLibraryForm</Edit>
-  <New>DocumentLibraryForm</New>
-</FormTemplates>
-</file>
-
 <file path=customXml/itemProps1.xml><?xml version="1.0" encoding="utf-8"?>
-<ds:datastoreItem xmlns:ds="http://schemas.openxmlformats.org/officeDocument/2006/customXml" ds:itemID="{0785A4C7-B234-45E3-92B4-D7E0909F829E}">
+<ds:datastoreItem xmlns:ds="http://schemas.openxmlformats.org/officeDocument/2006/customXml" ds:itemID="{B0CA13EC-1D3C-4D6F-8D1C-E8A452CFC79A}">
   <ds:schemaRefs>
-    <ds:schemaRef ds:uri="http://schemas.microsoft.com/office/2006/metadata/contentType"/>
-    <ds:schemaRef ds:uri="http://schemas.microsoft.com/office/2006/metadata/properties/metaAttributes"/>
-    <ds:schemaRef ds:uri="http://www.w3.org/2001/XMLSchema"/>
-    <ds:schemaRef ds:uri="http://schemas.microsoft.com/office/2006/metadata/properties"/>
-    <ds:schemaRef ds:uri="239b4775-11ac-4188-ac69-b5b775bb2155"/>
-    <ds:schemaRef ds:uri="http://schemas.microsoft.com/office/2006/documentManagement/types"/>
-    <ds:schemaRef ds:uri="http://schemas.microsoft.com/office/infopath/2007/PartnerControls"/>
-    <ds:schemaRef ds:uri="http://schemas.openxmlformats.org/package/2006/metadata/core-properties"/>
-    <ds:schemaRef ds:uri="http://purl.org/dc/elements/1.1/"/>
-    <ds:schemaRef ds:uri="http://purl.org/dc/terms/"/>
-    <ds:schemaRef ds:uri="http://schemas.microsoft.com/internal/obd"/>
+    <ds:schemaRef ds:uri="http://schemas.microsoft.com/sharepoint/v3/contenttype/forms"/>
   </ds:schemaRefs>
 </ds:datastoreItem>
 </file>
@@ -7557,9 +7548,19 @@
 </file>
 
 <file path=customXml/itemProps3.xml><?xml version="1.0" encoding="utf-8"?>
-<ds:datastoreItem xmlns:ds="http://schemas.openxmlformats.org/officeDocument/2006/customXml" ds:itemID="{B0CA13EC-1D3C-4D6F-8D1C-E8A452CFC79A}">
+<ds:datastoreItem xmlns:ds="http://schemas.openxmlformats.org/officeDocument/2006/customXml" ds:itemID="{0785A4C7-B234-45E3-92B4-D7E0909F829E}">
   <ds:schemaRefs>
-    <ds:schemaRef ds:uri="http://schemas.microsoft.com/sharepoint/v3/contenttype/forms"/>
+    <ds:schemaRef ds:uri="http://schemas.microsoft.com/office/2006/metadata/contentType"/>
+    <ds:schemaRef ds:uri="http://schemas.microsoft.com/office/2006/metadata/properties/metaAttributes"/>
+    <ds:schemaRef ds:uri="http://www.w3.org/2001/XMLSchema"/>
+    <ds:schemaRef ds:uri="http://schemas.microsoft.com/office/2006/metadata/properties"/>
+    <ds:schemaRef ds:uri="239b4775-11ac-4188-ac69-b5b775bb2155"/>
+    <ds:schemaRef ds:uri="http://schemas.microsoft.com/office/2006/documentManagement/types"/>
+    <ds:schemaRef ds:uri="http://schemas.microsoft.com/office/infopath/2007/PartnerControls"/>
+    <ds:schemaRef ds:uri="http://schemas.openxmlformats.org/package/2006/metadata/core-properties"/>
+    <ds:schemaRef ds:uri="http://purl.org/dc/elements/1.1/"/>
+    <ds:schemaRef ds:uri="http://purl.org/dc/terms/"/>
+    <ds:schemaRef ds:uri="http://schemas.microsoft.com/internal/obd"/>
   </ds:schemaRefs>
 </ds:datastoreItem>
 </file>
--- a/Slides/05 - Managing Transactions.pptx
+++ b/Slides/05 - Managing Transactions.pptx
@@ -5,29 +5,30 @@
     <p:sldMasterId id="2147483660" r:id="rId4"/>
   </p:sldMasterIdLst>
   <p:notesMasterIdLst>
-    <p:notesMasterId r:id="rId22"/>
+    <p:notesMasterId r:id="rId23"/>
   </p:notesMasterIdLst>
   <p:handoutMasterIdLst>
-    <p:handoutMasterId r:id="rId23"/>
+    <p:handoutMasterId r:id="rId24"/>
   </p:handoutMasterIdLst>
   <p:sldIdLst>
     <p:sldId id="283" r:id="rId5"/>
-    <p:sldId id="327" r:id="rId6"/>
-    <p:sldId id="320" r:id="rId7"/>
-    <p:sldId id="321" r:id="rId8"/>
-    <p:sldId id="334" r:id="rId9"/>
-    <p:sldId id="293" r:id="rId10"/>
-    <p:sldId id="335" r:id="rId11"/>
-    <p:sldId id="336" r:id="rId12"/>
-    <p:sldId id="337" r:id="rId13"/>
-    <p:sldId id="338" r:id="rId14"/>
-    <p:sldId id="339" r:id="rId15"/>
-    <p:sldId id="340" r:id="rId16"/>
-    <p:sldId id="341" r:id="rId17"/>
-    <p:sldId id="342" r:id="rId18"/>
-    <p:sldId id="343" r:id="rId19"/>
-    <p:sldId id="344" r:id="rId20"/>
-    <p:sldId id="292" r:id="rId21"/>
+    <p:sldId id="345" r:id="rId6"/>
+    <p:sldId id="327" r:id="rId7"/>
+    <p:sldId id="320" r:id="rId8"/>
+    <p:sldId id="321" r:id="rId9"/>
+    <p:sldId id="334" r:id="rId10"/>
+    <p:sldId id="293" r:id="rId11"/>
+    <p:sldId id="335" r:id="rId12"/>
+    <p:sldId id="336" r:id="rId13"/>
+    <p:sldId id="337" r:id="rId14"/>
+    <p:sldId id="338" r:id="rId15"/>
+    <p:sldId id="339" r:id="rId16"/>
+    <p:sldId id="340" r:id="rId17"/>
+    <p:sldId id="341" r:id="rId18"/>
+    <p:sldId id="342" r:id="rId19"/>
+    <p:sldId id="343" r:id="rId20"/>
+    <p:sldId id="344" r:id="rId21"/>
+    <p:sldId id="292" r:id="rId22"/>
   </p:sldIdLst>
   <p:sldSz cx="12192000" cy="6858000"/>
   <p:notesSz cx="6858000" cy="9144000"/>
@@ -219,7 +220,7 @@
           <a:p>
             <a:fld id="{312E7B4A-039C-48A2-9B2C-AF16AA3873D8}" type="datetimeFigureOut">
               <a:rPr lang="en-US" smtClean="0"/>
-              <a:t>1/26/2015</a:t>
+              <a:t>1/27/2015</a:t>
             </a:fld>
             <a:endParaRPr lang="en-US"/>
           </a:p>
@@ -384,7 +385,7 @@
           <a:p>
             <a:fld id="{DA005A0C-54D9-45AA-87D4-C551D08DFCE1}" type="datetimeFigureOut">
               <a:rPr lang="en-US" smtClean="0"/>
-              <a:t>1/26/2015</a:t>
+              <a:t>1/27/2015</a:t>
             </a:fld>
             <a:endParaRPr lang="en-US"/>
           </a:p>
@@ -815,7 +816,99 @@
             <a:fld id="{13F0F35F-DD44-4607-AEC1-49D7A4BC4066}" type="slidenum">
               <a:rPr lang="en-US" smtClean="0"/>
               <a:pPr/>
-              <a:t>6</a:t>
+              <a:t>2</a:t>
+            </a:fld>
+            <a:endParaRPr lang="en-US" dirty="0"/>
+          </a:p>
+        </p:txBody>
+      </p:sp>
+    </p:spTree>
+    <p:extLst>
+      <p:ext uri="{BB962C8B-B14F-4D97-AF65-F5344CB8AC3E}">
+        <p14:creationId xmlns:p14="http://schemas.microsoft.com/office/powerpoint/2010/main" val="603815608"/>
+      </p:ext>
+    </p:extLst>
+  </p:cSld>
+  <p:clrMapOvr>
+    <a:masterClrMapping/>
+  </p:clrMapOvr>
+</p:notes>
+</file>
+
+<file path=ppt/notesSlides/notesSlide3.xml><?xml version="1.0" encoding="utf-8"?>
+<p:notes xmlns:a="http://schemas.openxmlformats.org/drawingml/2006/main" xmlns:r="http://schemas.openxmlformats.org/officeDocument/2006/relationships" xmlns:p="http://schemas.openxmlformats.org/presentationml/2006/main">
+  <p:cSld>
+    <p:spTree>
+      <p:nvGrpSpPr>
+        <p:cNvPr id="1" name=""/>
+        <p:cNvGrpSpPr/>
+        <p:nvPr/>
+      </p:nvGrpSpPr>
+      <p:grpSpPr>
+        <a:xfrm>
+          <a:off x="0" y="0"/>
+          <a:ext cx="0" cy="0"/>
+          <a:chOff x="0" y="0"/>
+          <a:chExt cx="0" cy="0"/>
+        </a:xfrm>
+      </p:grpSpPr>
+      <p:sp>
+        <p:nvSpPr>
+          <p:cNvPr id="2" name="Slide Image Placeholder 1"/>
+          <p:cNvSpPr>
+            <a:spLocks noGrp="1" noRot="1" noChangeAspect="1"/>
+          </p:cNvSpPr>
+          <p:nvPr>
+            <p:ph type="sldImg"/>
+          </p:nvPr>
+        </p:nvSpPr>
+        <p:spPr/>
+      </p:sp>
+      <p:sp>
+        <p:nvSpPr>
+          <p:cNvPr id="3" name="Notes Placeholder 2"/>
+          <p:cNvSpPr>
+            <a:spLocks noGrp="1"/>
+          </p:cNvSpPr>
+          <p:nvPr>
+            <p:ph type="body" idx="1"/>
+          </p:nvPr>
+        </p:nvSpPr>
+        <p:spPr/>
+        <p:txBody>
+          <a:bodyPr>
+            <a:noAutofit/>
+          </a:bodyPr>
+          <a:lstStyle/>
+          <a:p>
+            <a:endParaRPr lang="en-GB" dirty="0">
+              <a:solidFill>
+                <a:schemeClr val="tx2"/>
+              </a:solidFill>
+              <a:latin typeface="Segoe" pitchFamily="34" charset="0"/>
+            </a:endParaRPr>
+          </a:p>
+        </p:txBody>
+      </p:sp>
+      <p:sp>
+        <p:nvSpPr>
+          <p:cNvPr id="4" name="Slide Number Placeholder 3"/>
+          <p:cNvSpPr>
+            <a:spLocks noGrp="1"/>
+          </p:cNvSpPr>
+          <p:nvPr>
+            <p:ph type="sldNum" sz="quarter" idx="10"/>
+          </p:nvPr>
+        </p:nvSpPr>
+        <p:spPr/>
+        <p:txBody>
+          <a:bodyPr/>
+          <a:lstStyle/>
+          <a:p>
+            <a:fld id="{13F0F35F-DD44-4607-AEC1-49D7A4BC4066}" type="slidenum">
+              <a:rPr lang="en-US" smtClean="0"/>
+              <a:pPr/>
+              <a:t>7</a:t>
             </a:fld>
             <a:endParaRPr lang="en-US" dirty="0"/>
           </a:p>
@@ -3483,11 +3576,7 @@
             </a:r>
             <a:r>
               <a:rPr lang="en-US" smtClean="0"/>
-              <a:t>| </a:t>
-            </a:r>
-            <a:r>
-              <a:rPr lang="en-US" smtClean="0"/>
-              <a:t>Technical Evangelist</a:t>
+              <a:t>| Technical Evangelist</a:t>
             </a:r>
             <a:endParaRPr lang="en-US" dirty="0" smtClean="0"/>
           </a:p>
@@ -3549,12 +3638,26 @@
         </p:nvSpPr>
         <p:spPr/>
         <p:txBody>
-          <a:bodyPr/>
+          <a:bodyPr>
+            <a:normAutofit fontScale="90000"/>
+          </a:bodyPr>
           <a:lstStyle/>
           <a:p>
             <a:r>
               <a:rPr lang="en-US" dirty="0" smtClean="0"/>
-              <a:t>What happens if something's changed</a:t>
+              <a:t>Optimistic concurrency with </a:t>
+            </a:r>
+            <a:r>
+              <a:rPr lang="en-US" dirty="0" err="1" smtClean="0"/>
+              <a:t>RowVersion</a:t>
+            </a:r>
+            <a:r>
+              <a:rPr lang="en-US" dirty="0" smtClean="0"/>
+              <a:t>/</a:t>
+            </a:r>
+            <a:r>
+              <a:rPr lang="en-US" dirty="0" err="1" smtClean="0"/>
+              <a:t>TimeStamp</a:t>
             </a:r>
             <a:endParaRPr lang="en-US" dirty="0"/>
           </a:p>
@@ -3576,44 +3679,224 @@
           <a:lstStyle/>
           <a:p>
             <a:r>
-              <a:rPr lang="en-US" dirty="0" smtClean="0"/>
-              <a:t>EF automatically supports</a:t>
-            </a:r>
-            <a:r>
-              <a:rPr lang="en-US" dirty="0"/>
+              <a:rPr lang="en-US" dirty="0" err="1" smtClean="0"/>
+              <a:t>RowVersion</a:t>
+            </a:r>
+            <a:r>
+              <a:rPr lang="en-US" dirty="0" smtClean="0"/>
+              <a:t> and </a:t>
+            </a:r>
+            <a:r>
+              <a:rPr lang="en-US" dirty="0" err="1" smtClean="0"/>
+              <a:t>TimeStamp</a:t>
+            </a:r>
+            <a:r>
+              <a:rPr lang="en-US" dirty="0" smtClean="0"/>
+              <a:t> mean the same thing</a:t>
+            </a:r>
+          </a:p>
+          <a:p>
+            <a:r>
+              <a:rPr lang="en-US" dirty="0" smtClean="0"/>
+              <a:t>Basic steps</a:t>
+            </a:r>
+          </a:p>
+          <a:p>
+            <a:pPr lvl="1"/>
+            <a:r>
+              <a:rPr lang="en-US" dirty="0" smtClean="0"/>
+              <a:t>Add a property of type byte[]</a:t>
+            </a:r>
+          </a:p>
+          <a:p>
+            <a:pPr lvl="1"/>
+            <a:r>
+              <a:rPr lang="en-US" dirty="0" smtClean="0"/>
+              <a:t>Decorate the property with </a:t>
+            </a:r>
+            <a:r>
+              <a:rPr lang="en-US" dirty="0" err="1" smtClean="0"/>
+              <a:t>TimestampAttribute</a:t>
+            </a:r>
+            <a:endParaRPr lang="en-US" dirty="0" smtClean="0"/>
+          </a:p>
+          <a:p>
+            <a:pPr lvl="1"/>
+            <a:endParaRPr lang="en-US" dirty="0"/>
+          </a:p>
+          <a:p>
+            <a:pPr marL="0" indent="0">
+              <a:buNone/>
+            </a:pPr>
+            <a:r>
+              <a:rPr lang="en-US" dirty="0" smtClean="0">
+                <a:solidFill>
+                  <a:srgbClr val="000000"/>
+                </a:solidFill>
+                <a:highlight>
+                  <a:srgbClr val="FFFFFF"/>
+                </a:highlight>
+                <a:latin typeface="Consolas" panose="020B0609020204030204" pitchFamily="49" charset="0"/>
+              </a:rPr>
+              <a:t>   [</a:t>
+            </a:r>
+            <a:r>
+              <a:rPr lang="en-US" dirty="0">
+                <a:solidFill>
+                  <a:srgbClr val="2B91AF"/>
+                </a:solidFill>
+                <a:highlight>
+                  <a:srgbClr val="FFFFFF"/>
+                </a:highlight>
+                <a:latin typeface="Consolas" panose="020B0609020204030204" pitchFamily="49" charset="0"/>
+              </a:rPr>
+              <a:t>Timestamp</a:t>
+            </a:r>
+            <a:r>
+              <a:rPr lang="en-US" dirty="0">
+                <a:solidFill>
+                  <a:srgbClr val="000000"/>
+                </a:solidFill>
+                <a:highlight>
+                  <a:srgbClr val="FFFFFF"/>
+                </a:highlight>
+                <a:latin typeface="Consolas" panose="020B0609020204030204" pitchFamily="49" charset="0"/>
+              </a:rPr>
+              <a:t>()]</a:t>
+            </a:r>
+          </a:p>
+          <a:p>
+            <a:pPr marL="0" indent="0">
+              <a:buNone/>
+            </a:pPr>
+            <a:r>
+              <a:rPr lang="en-US" dirty="0" smtClean="0">
+                <a:solidFill>
+                  <a:srgbClr val="0000FF"/>
+                </a:solidFill>
+                <a:highlight>
+                  <a:srgbClr val="FFFFFF"/>
+                </a:highlight>
+                <a:latin typeface="Consolas" panose="020B0609020204030204" pitchFamily="49" charset="0"/>
+              </a:rPr>
+              <a:t>   public</a:t>
+            </a:r>
+            <a:r>
+              <a:rPr lang="en-US" dirty="0" smtClean="0">
+                <a:solidFill>
+                  <a:srgbClr val="000000"/>
+                </a:solidFill>
+                <a:highlight>
+                  <a:srgbClr val="FFFFFF"/>
+                </a:highlight>
+                <a:latin typeface="Consolas" panose="020B0609020204030204" pitchFamily="49" charset="0"/>
+              </a:rPr>
               <a:t> </a:t>
             </a:r>
             <a:r>
-              <a:rPr lang="en-US" dirty="0" smtClean="0"/>
-              <a:t>optimistic concurrency</a:t>
-            </a:r>
-          </a:p>
-          <a:p>
-            <a:r>
-              <a:rPr lang="en-US" dirty="0" smtClean="0"/>
-              <a:t>Adds WHERE statement to UPDATE and DELETE statements</a:t>
-            </a:r>
-          </a:p>
-          <a:p>
-            <a:r>
-              <a:rPr lang="en-US" dirty="0" smtClean="0"/>
-              <a:t>Throws </a:t>
-            </a:r>
-            <a:r>
-              <a:rPr lang="en-US" dirty="0" err="1" smtClean="0"/>
-              <a:t>OptimisticConcurrencyException</a:t>
-            </a:r>
-            <a:r>
-              <a:rPr lang="en-US" dirty="0" smtClean="0"/>
-              <a:t> if Timestamp has changed</a:t>
-            </a:r>
+              <a:rPr lang="en-US" dirty="0">
+                <a:solidFill>
+                  <a:srgbClr val="0000FF"/>
+                </a:solidFill>
+                <a:highlight>
+                  <a:srgbClr val="FFFFFF"/>
+                </a:highlight>
+                <a:latin typeface="Consolas" panose="020B0609020204030204" pitchFamily="49" charset="0"/>
+              </a:rPr>
+              <a:t>byte</a:t>
+            </a:r>
+            <a:r>
+              <a:rPr lang="en-US" dirty="0">
+                <a:solidFill>
+                  <a:srgbClr val="000000"/>
+                </a:solidFill>
+                <a:highlight>
+                  <a:srgbClr val="FFFFFF"/>
+                </a:highlight>
+                <a:latin typeface="Consolas" panose="020B0609020204030204" pitchFamily="49" charset="0"/>
+              </a:rPr>
+              <a:t>[] </a:t>
+            </a:r>
+            <a:r>
+              <a:rPr lang="en-US" dirty="0" err="1">
+                <a:solidFill>
+                  <a:srgbClr val="000000"/>
+                </a:solidFill>
+                <a:highlight>
+                  <a:srgbClr val="FFFFFF"/>
+                </a:highlight>
+                <a:latin typeface="Consolas" panose="020B0609020204030204" pitchFamily="49" charset="0"/>
+              </a:rPr>
+              <a:t>RowVersion</a:t>
+            </a:r>
+            <a:r>
+              <a:rPr lang="en-US" dirty="0">
+                <a:solidFill>
+                  <a:srgbClr val="000000"/>
+                </a:solidFill>
+                <a:highlight>
+                  <a:srgbClr val="FFFFFF"/>
+                </a:highlight>
+                <a:latin typeface="Consolas" panose="020B0609020204030204" pitchFamily="49" charset="0"/>
+              </a:rPr>
+              <a:t> { </a:t>
+            </a:r>
+            <a:r>
+              <a:rPr lang="en-US" dirty="0">
+                <a:solidFill>
+                  <a:srgbClr val="0000FF"/>
+                </a:solidFill>
+                <a:highlight>
+                  <a:srgbClr val="FFFFFF"/>
+                </a:highlight>
+                <a:latin typeface="Consolas" panose="020B0609020204030204" pitchFamily="49" charset="0"/>
+              </a:rPr>
+              <a:t>get</a:t>
+            </a:r>
+            <a:r>
+              <a:rPr lang="en-US" dirty="0">
+                <a:solidFill>
+                  <a:srgbClr val="000000"/>
+                </a:solidFill>
+                <a:highlight>
+                  <a:srgbClr val="FFFFFF"/>
+                </a:highlight>
+                <a:latin typeface="Consolas" panose="020B0609020204030204" pitchFamily="49" charset="0"/>
+              </a:rPr>
+              <a:t>; </a:t>
+            </a:r>
+            <a:r>
+              <a:rPr lang="en-US" dirty="0">
+                <a:solidFill>
+                  <a:srgbClr val="0000FF"/>
+                </a:solidFill>
+                <a:highlight>
+                  <a:srgbClr val="FFFFFF"/>
+                </a:highlight>
+                <a:latin typeface="Consolas" panose="020B0609020204030204" pitchFamily="49" charset="0"/>
+              </a:rPr>
+              <a:t>set</a:t>
+            </a:r>
+            <a:r>
+              <a:rPr lang="en-US" dirty="0">
+                <a:solidFill>
+                  <a:srgbClr val="000000"/>
+                </a:solidFill>
+                <a:highlight>
+                  <a:srgbClr val="FFFFFF"/>
+                </a:highlight>
+                <a:latin typeface="Consolas" panose="020B0609020204030204" pitchFamily="49" charset="0"/>
+              </a:rPr>
+              <a:t>; }</a:t>
+            </a:r>
+            <a:endParaRPr lang="en-US" dirty="0"/>
           </a:p>
         </p:txBody>
       </p:sp>
     </p:spTree>
     <p:extLst>
       <p:ext uri="{BB962C8B-B14F-4D97-AF65-F5344CB8AC3E}">
-        <p14:creationId xmlns:p14="http://schemas.microsoft.com/office/powerpoint/2010/main" val="3835612286"/>
+        <p14:creationId xmlns:p14="http://schemas.microsoft.com/office/powerpoint/2010/main" val="3929146452"/>
       </p:ext>
     </p:extLst>
   </p:cSld>
@@ -3649,7 +3932,7 @@
       </p:grpSpPr>
       <p:sp>
         <p:nvSpPr>
-          <p:cNvPr id="4" name="Title 3"/>
+          <p:cNvPr id="2" name="Title 1"/>
           <p:cNvSpPr>
             <a:spLocks noGrp="1"/>
           </p:cNvSpPr>
@@ -3664,16 +3947,66 @@
           <a:p>
             <a:r>
               <a:rPr lang="en-US" dirty="0" smtClean="0"/>
-              <a:t>Optimistic concurrency</a:t>
+              <a:t>What happens if something's changed</a:t>
             </a:r>
             <a:endParaRPr lang="en-US" dirty="0"/>
+          </a:p>
+        </p:txBody>
+      </p:sp>
+      <p:sp>
+        <p:nvSpPr>
+          <p:cNvPr id="3" name="Content Placeholder 2"/>
+          <p:cNvSpPr>
+            <a:spLocks noGrp="1"/>
+          </p:cNvSpPr>
+          <p:nvPr>
+            <p:ph sz="quarter" idx="10"/>
+          </p:nvPr>
+        </p:nvSpPr>
+        <p:spPr/>
+        <p:txBody>
+          <a:bodyPr/>
+          <a:lstStyle/>
+          <a:p>
+            <a:r>
+              <a:rPr lang="en-US" dirty="0" smtClean="0"/>
+              <a:t>EF automatically supports</a:t>
+            </a:r>
+            <a:r>
+              <a:rPr lang="en-US" dirty="0"/>
+              <a:t> </a:t>
+            </a:r>
+            <a:r>
+              <a:rPr lang="en-US" dirty="0" smtClean="0"/>
+              <a:t>optimistic concurrency</a:t>
+            </a:r>
+          </a:p>
+          <a:p>
+            <a:r>
+              <a:rPr lang="en-US" dirty="0" smtClean="0"/>
+              <a:t>Adds WHERE statement to UPDATE and DELETE statements</a:t>
+            </a:r>
+          </a:p>
+          <a:p>
+            <a:r>
+              <a:rPr lang="en-US" dirty="0" smtClean="0"/>
+              <a:t>Throws </a:t>
+            </a:r>
+            <a:r>
+              <a:rPr lang="en-US" dirty="0" err="1" smtClean="0"/>
+              <a:t>OptimisticConcurrencyException</a:t>
+            </a:r>
+            <a:r>
+              <a:rPr lang="en-US" dirty="0" smtClean="0"/>
+              <a:t> if Timestamp has changed</a:t>
+            </a:r>
           </a:p>
         </p:txBody>
       </p:sp>
     </p:spTree>
     <p:extLst>
       <p:ext uri="{BB962C8B-B14F-4D97-AF65-F5344CB8AC3E}">
-        <p14:creationId xmlns:p14="http://schemas.microsoft.com/office/powerpoint/2010/main" val="380915733"/>
+        <p14:creationId xmlns:p14="http://schemas.microsoft.com/office/powerpoint/2010/main" val="3835612286"/>
       </p:ext>
     </p:extLst>
   </p:cSld>
@@ -3709,7 +4042,7 @@
       </p:grpSpPr>
       <p:sp>
         <p:nvSpPr>
-          <p:cNvPr id="3" name="Title 2"/>
+          <p:cNvPr id="4" name="Title 3"/>
           <p:cNvSpPr>
             <a:spLocks noGrp="1"/>
           </p:cNvSpPr>
@@ -3724,57 +4057,7 @@
           <a:p>
             <a:r>
               <a:rPr lang="en-US" dirty="0" smtClean="0"/>
-              <a:t>Custom property</a:t>
-            </a:r>
-            <a:endParaRPr lang="en-US" dirty="0"/>
-          </a:p>
-        </p:txBody>
-      </p:sp>
-      <p:sp>
-        <p:nvSpPr>
-          <p:cNvPr id="4" name="Content Placeholder 3"/>
-          <p:cNvSpPr>
-            <a:spLocks noGrp="1"/>
-          </p:cNvSpPr>
-          <p:nvPr>
-            <p:ph sz="quarter" idx="10"/>
-          </p:nvPr>
-        </p:nvSpPr>
-        <p:spPr/>
-        <p:txBody>
-          <a:bodyPr/>
-          <a:lstStyle/>
-          <a:p>
-            <a:r>
-              <a:rPr lang="en-US" dirty="0" smtClean="0"/>
-              <a:t>If you want more control over how concurrency is handled, you can choose which property or properties will be examined by EF</a:t>
-            </a:r>
-          </a:p>
-          <a:p>
-            <a:pPr lvl="1"/>
-            <a:r>
-              <a:rPr lang="en-US" dirty="0" smtClean="0"/>
-              <a:t>Useful for legacy apps or databases that don't support timestamps</a:t>
-            </a:r>
-          </a:p>
-          <a:p>
-            <a:r>
-              <a:rPr lang="en-US" dirty="0" smtClean="0"/>
-              <a:t>Add </a:t>
-            </a:r>
-            <a:r>
-              <a:rPr lang="en-US" dirty="0" err="1" smtClean="0"/>
-              <a:t>ConcurrencyCheckAttribute</a:t>
-            </a:r>
-            <a:r>
-              <a:rPr lang="en-US" dirty="0" smtClean="0"/>
-              <a:t> to property</a:t>
-            </a:r>
-          </a:p>
-          <a:p>
-            <a:r>
-              <a:rPr lang="en-US" dirty="0" smtClean="0"/>
-              <a:t>EF will do the same WHERE check as before</a:t>
+              <a:t>Optimistic concurrency</a:t>
             </a:r>
             <a:endParaRPr lang="en-US" dirty="0"/>
           </a:p>
@@ -3783,7 +4066,7 @@
     </p:spTree>
     <p:extLst>
       <p:ext uri="{BB962C8B-B14F-4D97-AF65-F5344CB8AC3E}">
-        <p14:creationId xmlns:p14="http://schemas.microsoft.com/office/powerpoint/2010/main" val="4120090248"/>
+        <p14:creationId xmlns:p14="http://schemas.microsoft.com/office/powerpoint/2010/main" val="380915733"/>
       </p:ext>
     </p:extLst>
   </p:cSld>
@@ -3819,7 +4102,7 @@
       </p:grpSpPr>
       <p:sp>
         <p:nvSpPr>
-          <p:cNvPr id="4" name="Title 3"/>
+          <p:cNvPr id="3" name="Title 2"/>
           <p:cNvSpPr>
             <a:spLocks noGrp="1"/>
           </p:cNvSpPr>
@@ -3834,7 +4117,57 @@
           <a:p>
             <a:r>
               <a:rPr lang="en-US" dirty="0" smtClean="0"/>
-              <a:t>Custom property optimistic concurrency</a:t>
+              <a:t>Custom property</a:t>
+            </a:r>
+            <a:endParaRPr lang="en-US" dirty="0"/>
+          </a:p>
+        </p:txBody>
+      </p:sp>
+      <p:sp>
+        <p:nvSpPr>
+          <p:cNvPr id="4" name="Content Placeholder 3"/>
+          <p:cNvSpPr>
+            <a:spLocks noGrp="1"/>
+          </p:cNvSpPr>
+          <p:nvPr>
+            <p:ph sz="quarter" idx="10"/>
+          </p:nvPr>
+        </p:nvSpPr>
+        <p:spPr/>
+        <p:txBody>
+          <a:bodyPr/>
+          <a:lstStyle/>
+          <a:p>
+            <a:r>
+              <a:rPr lang="en-US" dirty="0" smtClean="0"/>
+              <a:t>If you want more control over how concurrency is handled, you can choose which property or properties will be examined by EF</a:t>
+            </a:r>
+          </a:p>
+          <a:p>
+            <a:pPr lvl="1"/>
+            <a:r>
+              <a:rPr lang="en-US" dirty="0" smtClean="0"/>
+              <a:t>Useful for legacy apps or databases that don't support timestamps</a:t>
+            </a:r>
+          </a:p>
+          <a:p>
+            <a:r>
+              <a:rPr lang="en-US" dirty="0" smtClean="0"/>
+              <a:t>Add </a:t>
+            </a:r>
+            <a:r>
+              <a:rPr lang="en-US" dirty="0" err="1" smtClean="0"/>
+              <a:t>ConcurrencyCheckAttribute</a:t>
+            </a:r>
+            <a:r>
+              <a:rPr lang="en-US" dirty="0" smtClean="0"/>
+              <a:t> to property</a:t>
+            </a:r>
+          </a:p>
+          <a:p>
+            <a:r>
+              <a:rPr lang="en-US" dirty="0" smtClean="0"/>
+              <a:t>EF will do the same WHERE check as before</a:t>
             </a:r>
             <a:endParaRPr lang="en-US" dirty="0"/>
           </a:p>
@@ -3843,7 +4176,7 @@
     </p:spTree>
     <p:extLst>
       <p:ext uri="{BB962C8B-B14F-4D97-AF65-F5344CB8AC3E}">
-        <p14:creationId xmlns:p14="http://schemas.microsoft.com/office/powerpoint/2010/main" val="1305363419"/>
+        <p14:creationId xmlns:p14="http://schemas.microsoft.com/office/powerpoint/2010/main" val="4120090248"/>
       </p:ext>
     </p:extLst>
   </p:cSld>
@@ -3879,12 +4212,12 @@
       </p:grpSpPr>
       <p:sp>
         <p:nvSpPr>
-          <p:cNvPr id="6" name="Text Placeholder 5"/>
+          <p:cNvPr id="4" name="Title 3"/>
           <p:cNvSpPr>
             <a:spLocks noGrp="1"/>
           </p:cNvSpPr>
           <p:nvPr>
-            <p:ph type="body" sz="quarter" idx="10"/>
+            <p:ph type="title"/>
           </p:nvPr>
         </p:nvSpPr>
         <p:spPr/>
@@ -3894,27 +4227,8 @@
           <a:p>
             <a:r>
               <a:rPr lang="en-US" dirty="0" smtClean="0"/>
-              <a:t>Transactions</a:t>
-            </a:r>
-            <a:endParaRPr lang="en-US" dirty="0"/>
-          </a:p>
-        </p:txBody>
-      </p:sp>
-      <p:sp>
-        <p:nvSpPr>
-          <p:cNvPr id="5" name="Subtitle 4"/>
-          <p:cNvSpPr>
-            <a:spLocks noGrp="1"/>
-          </p:cNvSpPr>
-          <p:nvPr>
-            <p:ph type="subTitle" idx="1"/>
-          </p:nvPr>
-        </p:nvSpPr>
-        <p:spPr/>
-        <p:txBody>
-          <a:bodyPr/>
-          <a:lstStyle/>
-          <a:p>
+              <a:t>Custom property optimistic concurrency</a:t>
+            </a:r>
             <a:endParaRPr lang="en-US" dirty="0"/>
           </a:p>
         </p:txBody>
@@ -3922,7 +4236,7 @@
     </p:spTree>
     <p:extLst>
       <p:ext uri="{BB962C8B-B14F-4D97-AF65-F5344CB8AC3E}">
-        <p14:creationId xmlns:p14="http://schemas.microsoft.com/office/powerpoint/2010/main" val="566574039"/>
+        <p14:creationId xmlns:p14="http://schemas.microsoft.com/office/powerpoint/2010/main" val="1305363419"/>
       </p:ext>
     </p:extLst>
   </p:cSld>
@@ -3958,12 +4272,12 @@
       </p:grpSpPr>
       <p:sp>
         <p:nvSpPr>
-          <p:cNvPr id="4" name="Title 3"/>
+          <p:cNvPr id="6" name="Text Placeholder 5"/>
           <p:cNvSpPr>
             <a:spLocks noGrp="1"/>
           </p:cNvSpPr>
           <p:nvPr>
-            <p:ph type="title"/>
+            <p:ph type="body" sz="quarter" idx="10"/>
           </p:nvPr>
         </p:nvSpPr>
         <p:spPr/>
@@ -3973,7 +4287,7 @@
           <a:p>
             <a:r>
               <a:rPr lang="en-US" dirty="0" smtClean="0"/>
-              <a:t>Saving multiple objects</a:t>
+              <a:t>Transactions</a:t>
             </a:r>
             <a:endParaRPr lang="en-US" dirty="0"/>
           </a:p>
@@ -3981,12 +4295,12 @@
       </p:sp>
       <p:sp>
         <p:nvSpPr>
-          <p:cNvPr id="5" name="Content Placeholder 4"/>
+          <p:cNvPr id="5" name="Subtitle 4"/>
           <p:cNvSpPr>
             <a:spLocks noGrp="1"/>
           </p:cNvSpPr>
           <p:nvPr>
-            <p:ph sz="quarter" idx="10"/>
+            <p:ph type="subTitle" idx="1"/>
           </p:nvPr>
         </p:nvSpPr>
         <p:spPr/>
@@ -3994,32 +4308,14 @@
           <a:bodyPr/>
           <a:lstStyle/>
           <a:p>
-            <a:r>
-              <a:rPr lang="en-US" dirty="0" err="1" smtClean="0"/>
-              <a:t>SaveChanges</a:t>
-            </a:r>
-            <a:r>
-              <a:rPr lang="en-US" dirty="0" smtClean="0"/>
-              <a:t> is transactional</a:t>
-            </a:r>
-          </a:p>
-          <a:p>
-            <a:r>
-              <a:rPr lang="en-US" dirty="0" smtClean="0"/>
-              <a:t>If you need a transaction to maintain across multiple calls, use </a:t>
-            </a:r>
-            <a:r>
-              <a:rPr lang="en-US" dirty="0" err="1" smtClean="0"/>
-              <a:t>TransactionScope</a:t>
-            </a:r>
-            <a:endParaRPr lang="en-US" dirty="0" smtClean="0"/>
+            <a:endParaRPr lang="en-US" dirty="0"/>
           </a:p>
         </p:txBody>
       </p:sp>
     </p:spTree>
     <p:extLst>
       <p:ext uri="{BB962C8B-B14F-4D97-AF65-F5344CB8AC3E}">
-        <p14:creationId xmlns:p14="http://schemas.microsoft.com/office/powerpoint/2010/main" val="112655855"/>
+        <p14:creationId xmlns:p14="http://schemas.microsoft.com/office/powerpoint/2010/main" val="566574039"/>
       </p:ext>
     </p:extLst>
   </p:cSld>
@@ -4070,6 +4366,103 @@
           <a:p>
             <a:r>
               <a:rPr lang="en-US" dirty="0" smtClean="0"/>
+              <a:t>Saving multiple objects</a:t>
+            </a:r>
+            <a:endParaRPr lang="en-US" dirty="0"/>
+          </a:p>
+        </p:txBody>
+      </p:sp>
+      <p:sp>
+        <p:nvSpPr>
+          <p:cNvPr id="5" name="Content Placeholder 4"/>
+          <p:cNvSpPr>
+            <a:spLocks noGrp="1"/>
+          </p:cNvSpPr>
+          <p:nvPr>
+            <p:ph sz="quarter" idx="10"/>
+          </p:nvPr>
+        </p:nvSpPr>
+        <p:spPr/>
+        <p:txBody>
+          <a:bodyPr/>
+          <a:lstStyle/>
+          <a:p>
+            <a:r>
+              <a:rPr lang="en-US" dirty="0" err="1" smtClean="0"/>
+              <a:t>SaveChanges</a:t>
+            </a:r>
+            <a:r>
+              <a:rPr lang="en-US" dirty="0" smtClean="0"/>
+              <a:t> is transactional</a:t>
+            </a:r>
+          </a:p>
+          <a:p>
+            <a:r>
+              <a:rPr lang="en-US" dirty="0" smtClean="0"/>
+              <a:t>If you need a transaction to maintain across multiple calls, use </a:t>
+            </a:r>
+            <a:r>
+              <a:rPr lang="en-US" dirty="0" err="1" smtClean="0"/>
+              <a:t>TransactionScope</a:t>
+            </a:r>
+            <a:endParaRPr lang="en-US" dirty="0" smtClean="0"/>
+          </a:p>
+        </p:txBody>
+      </p:sp>
+    </p:spTree>
+    <p:extLst>
+      <p:ext uri="{BB962C8B-B14F-4D97-AF65-F5344CB8AC3E}">
+        <p14:creationId xmlns:p14="http://schemas.microsoft.com/office/powerpoint/2010/main" val="112655855"/>
+      </p:ext>
+    </p:extLst>
+  </p:cSld>
+  <p:clrMapOvr>
+    <a:masterClrMapping/>
+  </p:clrMapOvr>
+  <p:timing>
+    <p:tnLst>
+      <p:par>
+        <p:cTn id="1" dur="indefinite" restart="never" nodeType="tmRoot"/>
+      </p:par>
+    </p:tnLst>
+  </p:timing>
+</p:sld>
+</file>
+
+<file path=ppt/slides/slide17.xml><?xml version="1.0" encoding="utf-8"?>
+<p:sld xmlns:a="http://schemas.openxmlformats.org/drawingml/2006/main" xmlns:r="http://schemas.openxmlformats.org/officeDocument/2006/relationships" xmlns:p="http://schemas.openxmlformats.org/presentationml/2006/main">
+  <p:cSld>
+    <p:spTree>
+      <p:nvGrpSpPr>
+        <p:cNvPr id="1" name=""/>
+        <p:cNvGrpSpPr/>
+        <p:nvPr/>
+      </p:nvGrpSpPr>
+      <p:grpSpPr>
+        <a:xfrm>
+          <a:off x="0" y="0"/>
+          <a:ext cx="0" cy="0"/>
+          <a:chOff x="0" y="0"/>
+          <a:chExt cx="0" cy="0"/>
+        </a:xfrm>
+      </p:grpSpPr>
+      <p:sp>
+        <p:nvSpPr>
+          <p:cNvPr id="4" name="Title 3"/>
+          <p:cNvSpPr>
+            <a:spLocks noGrp="1"/>
+          </p:cNvSpPr>
+          <p:nvPr>
+            <p:ph type="title"/>
+          </p:nvPr>
+        </p:nvSpPr>
+        <p:spPr/>
+        <p:txBody>
+          <a:bodyPr/>
+          <a:lstStyle/>
+          <a:p>
+            <a:r>
+              <a:rPr lang="en-US" dirty="0" smtClean="0"/>
               <a:t>Custom transactions</a:t>
             </a:r>
             <a:endParaRPr lang="en-US" dirty="0"/>
@@ -4096,7 +4489,7 @@
 </p:sld>
 </file>
 
-<file path=ppt/slides/slide17.xml><?xml version="1.0" encoding="utf-8"?>
+<file path=ppt/slides/slide18.xml><?xml version="1.0" encoding="utf-8"?>
 <p:sld xmlns:a="http://schemas.openxmlformats.org/drawingml/2006/main" xmlns:r="http://schemas.openxmlformats.org/officeDocument/2006/relationships" xmlns:p="http://schemas.openxmlformats.org/presentationml/2006/main">
   <p:cSld>
     <p:spTree>
@@ -4160,6 +4553,101 @@
       </p:grpSpPr>
       <p:sp>
         <p:nvSpPr>
+          <p:cNvPr id="2" name="Title 1"/>
+          <p:cNvSpPr>
+            <a:spLocks noGrp="1"/>
+          </p:cNvSpPr>
+          <p:nvPr>
+            <p:ph type="title"/>
+          </p:nvPr>
+        </p:nvSpPr>
+        <p:spPr/>
+        <p:txBody>
+          <a:bodyPr/>
+          <a:lstStyle/>
+          <a:p>
+            <a:r>
+              <a:rPr lang="en-US" dirty="0" smtClean="0"/>
+              <a:t>Module Overview</a:t>
+            </a:r>
+            <a:endParaRPr lang="en-US" dirty="0"/>
+          </a:p>
+        </p:txBody>
+      </p:sp>
+      <p:sp>
+        <p:nvSpPr>
+          <p:cNvPr id="7" name="Content Placeholder 6"/>
+          <p:cNvSpPr>
+            <a:spLocks noGrp="1"/>
+          </p:cNvSpPr>
+          <p:nvPr>
+            <p:ph sz="quarter" idx="10"/>
+          </p:nvPr>
+        </p:nvSpPr>
+        <p:spPr/>
+        <p:txBody>
+          <a:bodyPr>
+            <a:normAutofit/>
+          </a:bodyPr>
+          <a:lstStyle/>
+          <a:p>
+            <a:r>
+              <a:rPr lang="en-GB" dirty="0" smtClean="0"/>
+              <a:t>Working in a web application</a:t>
+            </a:r>
+            <a:endParaRPr lang="en-GB" dirty="0" smtClean="0"/>
+          </a:p>
+          <a:p>
+            <a:r>
+              <a:rPr lang="en-GB" dirty="0" smtClean="0"/>
+              <a:t>Managing concurrency</a:t>
+            </a:r>
+            <a:endParaRPr lang="en-GB" dirty="0" smtClean="0"/>
+          </a:p>
+          <a:p>
+            <a:endParaRPr lang="en-GB" dirty="0" smtClean="0"/>
+          </a:p>
+        </p:txBody>
+      </p:sp>
+    </p:spTree>
+    <p:extLst>
+      <p:ext uri="{BB962C8B-B14F-4D97-AF65-F5344CB8AC3E}">
+        <p14:creationId xmlns:p14="http://schemas.microsoft.com/office/powerpoint/2010/main" val="2445096697"/>
+      </p:ext>
+    </p:extLst>
+  </p:cSld>
+  <p:clrMapOvr>
+    <a:masterClrMapping/>
+  </p:clrMapOvr>
+  <p:timing>
+    <p:tnLst>
+      <p:par>
+        <p:cTn id="1" dur="indefinite" restart="never" nodeType="tmRoot"/>
+      </p:par>
+    </p:tnLst>
+  </p:timing>
+</p:sld>
+</file>
+
+<file path=ppt/slides/slide3.xml><?xml version="1.0" encoding="utf-8"?>
+<p:sld xmlns:a="http://schemas.openxmlformats.org/drawingml/2006/main" xmlns:r="http://schemas.openxmlformats.org/officeDocument/2006/relationships" xmlns:p="http://schemas.openxmlformats.org/presentationml/2006/main">
+  <p:cSld>
+    <p:spTree>
+      <p:nvGrpSpPr>
+        <p:cNvPr id="1" name=""/>
+        <p:cNvGrpSpPr/>
+        <p:nvPr/>
+      </p:nvGrpSpPr>
+      <p:grpSpPr>
+        <a:xfrm>
+          <a:off x="0" y="0"/>
+          <a:ext cx="0" cy="0"/>
+          <a:chOff x="0" y="0"/>
+          <a:chExt cx="0" cy="0"/>
+        </a:xfrm>
+      </p:grpSpPr>
+      <p:sp>
+        <p:nvSpPr>
           <p:cNvPr id="2" name="Text Placeholder 1"/>
           <p:cNvSpPr>
             <a:spLocks noGrp="1"/>
@@ -4220,7 +4708,7 @@
 </p:sld>
 </file>
 
-<file path=ppt/slides/slide3.xml><?xml version="1.0" encoding="utf-8"?>
+<file path=ppt/slides/slide4.xml><?xml version="1.0" encoding="utf-8"?>
 <p:sld xmlns:a="http://schemas.openxmlformats.org/drawingml/2006/main" xmlns:r="http://schemas.openxmlformats.org/officeDocument/2006/relationships" xmlns:p="http://schemas.openxmlformats.org/presentationml/2006/main">
   <p:cSld>
     <p:spTree>
@@ -5747,119 +6235,6 @@
 </p:sld>
 </file>
 
-<file path=ppt/slides/slide4.xml><?xml version="1.0" encoding="utf-8"?>
-<p:sld xmlns:a="http://schemas.openxmlformats.org/drawingml/2006/main" xmlns:r="http://schemas.openxmlformats.org/officeDocument/2006/relationships" xmlns:p="http://schemas.openxmlformats.org/presentationml/2006/main">
-  <p:cSld>
-    <p:spTree>
-      <p:nvGrpSpPr>
-        <p:cNvPr id="1" name=""/>
-        <p:cNvGrpSpPr/>
-        <p:nvPr/>
-      </p:nvGrpSpPr>
-      <p:grpSpPr>
-        <a:xfrm>
-          <a:off x="0" y="0"/>
-          <a:ext cx="0" cy="0"/>
-          <a:chOff x="0" y="0"/>
-          <a:chExt cx="0" cy="0"/>
-        </a:xfrm>
-      </p:grpSpPr>
-      <p:sp>
-        <p:nvSpPr>
-          <p:cNvPr id="2" name="Title 1"/>
-          <p:cNvSpPr>
-            <a:spLocks noGrp="1"/>
-          </p:cNvSpPr>
-          <p:nvPr>
-            <p:ph type="title"/>
-          </p:nvPr>
-        </p:nvSpPr>
-        <p:spPr/>
-        <p:txBody>
-          <a:bodyPr/>
-          <a:lstStyle/>
-          <a:p>
-            <a:r>
-              <a:rPr lang="en-US" dirty="0" smtClean="0"/>
-              <a:t>Web applications are stateless</a:t>
-            </a:r>
-            <a:endParaRPr lang="en-US" dirty="0"/>
-          </a:p>
-        </p:txBody>
-      </p:sp>
-      <p:sp>
-        <p:nvSpPr>
-          <p:cNvPr id="3" name="Content Placeholder 2"/>
-          <p:cNvSpPr>
-            <a:spLocks noGrp="1"/>
-          </p:cNvSpPr>
-          <p:nvPr>
-            <p:ph sz="quarter" idx="10"/>
-          </p:nvPr>
-        </p:nvSpPr>
-        <p:spPr/>
-        <p:txBody>
-          <a:bodyPr/>
-          <a:lstStyle/>
-          <a:p>
-            <a:r>
-              <a:rPr lang="en-US" dirty="0" smtClean="0"/>
-              <a:t>EF uses entity tracking to detect changes</a:t>
-            </a:r>
-          </a:p>
-          <a:p>
-            <a:pPr lvl="1"/>
-            <a:r>
-              <a:rPr lang="en-US" dirty="0" smtClean="0"/>
-              <a:t>Entities can only be tracked if they're attached to a data context</a:t>
-            </a:r>
-          </a:p>
-          <a:p>
-            <a:r>
-              <a:rPr lang="en-US" dirty="0" smtClean="0"/>
-              <a:t>When the page is returned to the user, the data context goes away</a:t>
-            </a:r>
-          </a:p>
-          <a:p>
-            <a:r>
-              <a:rPr lang="en-US" dirty="0" smtClean="0"/>
-              <a:t>When the user returns updated object to the server, the server sees that as a new object</a:t>
-            </a:r>
-          </a:p>
-          <a:p>
-            <a:pPr lvl="1"/>
-            <a:r>
-              <a:rPr lang="en-US" b="1" dirty="0" smtClean="0"/>
-              <a:t>Not</a:t>
-            </a:r>
-            <a:r>
-              <a:rPr lang="en-US" dirty="0" smtClean="0"/>
-              <a:t> a modification to an existing object</a:t>
-            </a:r>
-            <a:endParaRPr lang="en-US" dirty="0"/>
-          </a:p>
-        </p:txBody>
-      </p:sp>
-    </p:spTree>
-    <p:extLst>
-      <p:ext uri="{BB962C8B-B14F-4D97-AF65-F5344CB8AC3E}">
-        <p14:creationId xmlns:p14="http://schemas.microsoft.com/office/powerpoint/2010/main" val="3292191880"/>
-      </p:ext>
-    </p:extLst>
-  </p:cSld>
-  <p:clrMapOvr>
-    <a:masterClrMapping/>
-  </p:clrMapOvr>
-  <p:timing>
-    <p:tnLst>
-      <p:par>
-        <p:cTn id="1" dur="indefinite" restart="never" nodeType="tmRoot"/>
-      </p:par>
-    </p:tnLst>
-  </p:timing>
-</p:sld>
-</file>
-
 <file path=ppt/slides/slide5.xml><?xml version="1.0" encoding="utf-8"?>
 <p:sld xmlns:a="http://schemas.openxmlformats.org/drawingml/2006/main" xmlns:r="http://schemas.openxmlformats.org/officeDocument/2006/relationships" xmlns:p="http://schemas.openxmlformats.org/presentationml/2006/main">
   <p:cSld>
@@ -5894,7 +6269,7 @@
           <a:p>
             <a:r>
               <a:rPr lang="en-US" dirty="0" smtClean="0"/>
-              <a:t>Basic process for updates and deletes</a:t>
+              <a:t>Web applications are stateless</a:t>
             </a:r>
             <a:endParaRPr lang="en-US" dirty="0"/>
           </a:p>
@@ -5917,29 +6292,37 @@
           <a:p>
             <a:r>
               <a:rPr lang="en-US" dirty="0" smtClean="0"/>
-              <a:t>Attach the object to the context</a:t>
-            </a:r>
-          </a:p>
-          <a:p>
-            <a:r>
-              <a:rPr lang="en-US" dirty="0" smtClean="0"/>
-              <a:t>Set the state as Modified or Deleted</a:t>
-            </a:r>
-          </a:p>
-          <a:p>
-            <a:r>
-              <a:rPr lang="en-US" dirty="0" err="1" smtClean="0"/>
-              <a:t>SaveChanges</a:t>
-            </a:r>
-            <a:endParaRPr lang="en-US" dirty="0" smtClean="0"/>
-          </a:p>
-          <a:p>
-            <a:endParaRPr lang="en-US" dirty="0"/>
-          </a:p>
-          <a:p>
-            <a:r>
-              <a:rPr lang="en-US" dirty="0" smtClean="0"/>
-              <a:t>Notes, updates the entire object, not individual properties</a:t>
+              <a:t>EF uses entity tracking to detect changes</a:t>
+            </a:r>
+          </a:p>
+          <a:p>
+            <a:pPr lvl="1"/>
+            <a:r>
+              <a:rPr lang="en-US" dirty="0" smtClean="0"/>
+              <a:t>Entities can only be tracked if they're attached to a data context</a:t>
+            </a:r>
+          </a:p>
+          <a:p>
+            <a:r>
+              <a:rPr lang="en-US" dirty="0" smtClean="0"/>
+              <a:t>When the page is returned to the user, the data context goes away</a:t>
+            </a:r>
+          </a:p>
+          <a:p>
+            <a:r>
+              <a:rPr lang="en-US" dirty="0" smtClean="0"/>
+              <a:t>When the user returns updated object to the server, the server sees that as a new object</a:t>
+            </a:r>
+          </a:p>
+          <a:p>
+            <a:pPr lvl="1"/>
+            <a:r>
+              <a:rPr lang="en-US" b="1" dirty="0" smtClean="0"/>
+              <a:t>Not</a:t>
+            </a:r>
+            <a:r>
+              <a:rPr lang="en-US" dirty="0" smtClean="0"/>
+              <a:t> a modification to an existing object</a:t>
             </a:r>
             <a:endParaRPr lang="en-US" dirty="0"/>
           </a:p>
@@ -5948,7 +6331,7 @@
     </p:spTree>
     <p:extLst>
       <p:ext uri="{BB962C8B-B14F-4D97-AF65-F5344CB8AC3E}">
-        <p14:creationId xmlns:p14="http://schemas.microsoft.com/office/powerpoint/2010/main" val="4018156094"/>
+        <p14:creationId xmlns:p14="http://schemas.microsoft.com/office/powerpoint/2010/main" val="3292191880"/>
       </p:ext>
     </p:extLst>
   </p:cSld>
@@ -5992,19 +6375,59 @@
             <p:ph type="title"/>
           </p:nvPr>
         </p:nvSpPr>
-        <p:spPr>
-          <a:xfrm>
-            <a:off x="597413" y="4468764"/>
-            <a:ext cx="11432977" cy="1676400"/>
-          </a:xfrm>
-        </p:spPr>
+        <p:spPr/>
         <p:txBody>
           <a:bodyPr/>
           <a:lstStyle/>
           <a:p>
             <a:r>
               <a:rPr lang="en-US" dirty="0" smtClean="0"/>
-              <a:t>Modifying and deleting entities</a:t>
+              <a:t>Basic process for updates and deletes</a:t>
+            </a:r>
+            <a:endParaRPr lang="en-US" dirty="0"/>
+          </a:p>
+        </p:txBody>
+      </p:sp>
+      <p:sp>
+        <p:nvSpPr>
+          <p:cNvPr id="3" name="Content Placeholder 2"/>
+          <p:cNvSpPr>
+            <a:spLocks noGrp="1"/>
+          </p:cNvSpPr>
+          <p:nvPr>
+            <p:ph sz="quarter" idx="10"/>
+          </p:nvPr>
+        </p:nvSpPr>
+        <p:spPr/>
+        <p:txBody>
+          <a:bodyPr/>
+          <a:lstStyle/>
+          <a:p>
+            <a:r>
+              <a:rPr lang="en-US" dirty="0" smtClean="0"/>
+              <a:t>Attach the object to the context</a:t>
+            </a:r>
+          </a:p>
+          <a:p>
+            <a:r>
+              <a:rPr lang="en-US" dirty="0" smtClean="0"/>
+              <a:t>Set the state as Modified or Deleted</a:t>
+            </a:r>
+          </a:p>
+          <a:p>
+            <a:r>
+              <a:rPr lang="en-US" dirty="0" err="1" smtClean="0"/>
+              <a:t>SaveChanges</a:t>
+            </a:r>
+            <a:endParaRPr lang="en-US" dirty="0" smtClean="0"/>
+          </a:p>
+          <a:p>
+            <a:endParaRPr lang="en-US" dirty="0"/>
+          </a:p>
+          <a:p>
+            <a:r>
+              <a:rPr lang="en-US" dirty="0" smtClean="0"/>
+              <a:t>Notes, updates the entire object, not individual properties</a:t>
             </a:r>
             <a:endParaRPr lang="en-US" dirty="0"/>
           </a:p>
@@ -6013,7 +6436,7 @@
     </p:spTree>
     <p:extLst>
       <p:ext uri="{BB962C8B-B14F-4D97-AF65-F5344CB8AC3E}">
-        <p14:creationId xmlns:p14="http://schemas.microsoft.com/office/powerpoint/2010/main" val="4107437968"/>
+        <p14:creationId xmlns:p14="http://schemas.microsoft.com/office/powerpoint/2010/main" val="4018156094"/>
       </p:ext>
     </p:extLst>
   </p:cSld>
@@ -6049,42 +6472,28 @@
       </p:grpSpPr>
       <p:sp>
         <p:nvSpPr>
-          <p:cNvPr id="6" name="Text Placeholder 5"/>
+          <p:cNvPr id="2" name="Title 1"/>
           <p:cNvSpPr>
             <a:spLocks noGrp="1"/>
           </p:cNvSpPr>
           <p:nvPr>
-            <p:ph type="body" sz="quarter" idx="10"/>
+            <p:ph type="title"/>
           </p:nvPr>
         </p:nvSpPr>
-        <p:spPr/>
+        <p:spPr>
+          <a:xfrm>
+            <a:off x="597413" y="4468764"/>
+            <a:ext cx="11432977" cy="1676400"/>
+          </a:xfrm>
+        </p:spPr>
         <p:txBody>
           <a:bodyPr/>
           <a:lstStyle/>
           <a:p>
             <a:r>
               <a:rPr lang="en-US" dirty="0" smtClean="0"/>
-              <a:t>Managing concurrency</a:t>
-            </a:r>
-            <a:endParaRPr lang="en-US" dirty="0"/>
-          </a:p>
-        </p:txBody>
-      </p:sp>
-      <p:sp>
-        <p:nvSpPr>
-          <p:cNvPr id="5" name="Subtitle 4"/>
-          <p:cNvSpPr>
-            <a:spLocks noGrp="1"/>
-          </p:cNvSpPr>
-          <p:nvPr>
-            <p:ph type="subTitle" idx="1"/>
-          </p:nvPr>
-        </p:nvSpPr>
-        <p:spPr/>
-        <p:txBody>
-          <a:bodyPr/>
-          <a:lstStyle/>
-          <a:p>
+              <a:t>Modifying and deleting entities</a:t>
+            </a:r>
             <a:endParaRPr lang="en-US" dirty="0"/>
           </a:p>
         </p:txBody>
@@ -6092,7 +6501,7 @@
     </p:spTree>
     <p:extLst>
       <p:ext uri="{BB962C8B-B14F-4D97-AF65-F5344CB8AC3E}">
-        <p14:creationId xmlns:p14="http://schemas.microsoft.com/office/powerpoint/2010/main" val="3669596044"/>
+        <p14:creationId xmlns:p14="http://schemas.microsoft.com/office/powerpoint/2010/main" val="4107437968"/>
       </p:ext>
     </p:extLst>
   </p:cSld>
@@ -6128,12 +6537,12 @@
       </p:grpSpPr>
       <p:sp>
         <p:nvSpPr>
-          <p:cNvPr id="4" name="Title 3"/>
+          <p:cNvPr id="6" name="Text Placeholder 5"/>
           <p:cNvSpPr>
             <a:spLocks noGrp="1"/>
           </p:cNvSpPr>
           <p:nvPr>
-            <p:ph type="title"/>
+            <p:ph type="body" sz="quarter" idx="10"/>
           </p:nvPr>
         </p:nvSpPr>
         <p:spPr/>
@@ -6143,7 +6552,7 @@
           <a:p>
             <a:r>
               <a:rPr lang="en-US" dirty="0" smtClean="0"/>
-              <a:t>Things can change</a:t>
+              <a:t>Managing concurrency</a:t>
             </a:r>
             <a:endParaRPr lang="en-US" dirty="0"/>
           </a:p>
@@ -6151,12 +6560,12 @@
       </p:sp>
       <p:sp>
         <p:nvSpPr>
-          <p:cNvPr id="5" name="Content Placeholder 4"/>
+          <p:cNvPr id="5" name="Subtitle 4"/>
           <p:cNvSpPr>
             <a:spLocks noGrp="1"/>
           </p:cNvSpPr>
           <p:nvPr>
-            <p:ph sz="quarter" idx="10"/>
+            <p:ph type="subTitle" idx="1"/>
           </p:nvPr>
         </p:nvSpPr>
         <p:spPr/>
@@ -6164,75 +6573,6 @@
           <a:bodyPr/>
           <a:lstStyle/>
           <a:p>
-            <a:r>
-              <a:rPr lang="en-US" dirty="0" smtClean="0"/>
-              <a:t>Who knows how long someone will have their page up</a:t>
-            </a:r>
-          </a:p>
-          <a:p>
-            <a:endParaRPr lang="en-US" dirty="0" smtClean="0"/>
-          </a:p>
-          <a:p>
-            <a:r>
-              <a:rPr lang="en-US" dirty="0" smtClean="0"/>
-              <a:t>Options</a:t>
-            </a:r>
-          </a:p>
-          <a:p>
-            <a:pPr lvl="1"/>
-            <a:r>
-              <a:rPr lang="en-US" dirty="0" smtClean="0"/>
-              <a:t>Optimistic</a:t>
-            </a:r>
-          </a:p>
-          <a:p>
-            <a:pPr lvl="2"/>
-            <a:r>
-              <a:rPr lang="en-US" dirty="0" err="1" smtClean="0"/>
-              <a:t>TimeStamp</a:t>
-            </a:r>
-            <a:r>
-              <a:rPr lang="en-US" dirty="0" smtClean="0"/>
-              <a:t>/</a:t>
-            </a:r>
-            <a:r>
-              <a:rPr lang="en-US" dirty="0" err="1" smtClean="0"/>
-              <a:t>RowVersion</a:t>
-            </a:r>
-            <a:endParaRPr lang="en-US" dirty="0" smtClean="0"/>
-          </a:p>
-          <a:p>
-            <a:pPr lvl="2"/>
-            <a:r>
-              <a:rPr lang="en-US" dirty="0" err="1" smtClean="0"/>
-              <a:t>ConcurrencyCheck</a:t>
-            </a:r>
-            <a:r>
-              <a:rPr lang="en-US" dirty="0" smtClean="0"/>
-              <a:t> to customize property</a:t>
-            </a:r>
-          </a:p>
-          <a:p>
-            <a:pPr lvl="1"/>
-            <a:r>
-              <a:rPr lang="en-US" dirty="0" err="1" smtClean="0"/>
-              <a:t>Pesimistic</a:t>
-            </a:r>
-            <a:endParaRPr lang="en-US" dirty="0" smtClean="0"/>
-          </a:p>
-          <a:p>
-            <a:pPr lvl="2"/>
-            <a:r>
-              <a:rPr lang="en-US" dirty="0" smtClean="0"/>
-              <a:t>Set a flag on a row to prevent modification</a:t>
-            </a:r>
-          </a:p>
-          <a:p>
-            <a:pPr lvl="2"/>
-            <a:r>
-              <a:rPr lang="en-US" dirty="0" smtClean="0"/>
-              <a:t>Requires more work</a:t>
-            </a:r>
             <a:endParaRPr lang="en-US" dirty="0"/>
           </a:p>
         </p:txBody>
@@ -6240,7 +6580,7 @@
     </p:spTree>
     <p:extLst>
       <p:ext uri="{BB962C8B-B14F-4D97-AF65-F5344CB8AC3E}">
-        <p14:creationId xmlns:p14="http://schemas.microsoft.com/office/powerpoint/2010/main" val="2535054173"/>
+        <p14:creationId xmlns:p14="http://schemas.microsoft.com/office/powerpoint/2010/main" val="3669596044"/>
       </p:ext>
     </p:extLst>
   </p:cSld>
@@ -6276,7 +6616,7 @@
       </p:grpSpPr>
       <p:sp>
         <p:nvSpPr>
-          <p:cNvPr id="2" name="Title 1"/>
+          <p:cNvPr id="4" name="Title 3"/>
           <p:cNvSpPr>
             <a:spLocks noGrp="1"/>
           </p:cNvSpPr>
@@ -6286,26 +6626,12 @@
         </p:nvSpPr>
         <p:spPr/>
         <p:txBody>
-          <a:bodyPr>
-            <a:normAutofit fontScale="90000"/>
-          </a:bodyPr>
+          <a:bodyPr/>
           <a:lstStyle/>
           <a:p>
             <a:r>
               <a:rPr lang="en-US" dirty="0" smtClean="0"/>
-              <a:t>Optimistic concurrency with </a:t>
-            </a:r>
-            <a:r>
-              <a:rPr lang="en-US" dirty="0" err="1" smtClean="0"/>
-              <a:t>RowVersion</a:t>
-            </a:r>
-            <a:r>
-              <a:rPr lang="en-US" dirty="0" smtClean="0"/>
-              <a:t>/</a:t>
-            </a:r>
-            <a:r>
-              <a:rPr lang="en-US" dirty="0" err="1" smtClean="0"/>
-              <a:t>TimeStamp</a:t>
+              <a:t>Things can change</a:t>
             </a:r>
             <a:endParaRPr lang="en-US" dirty="0"/>
           </a:p>
@@ -6313,7 +6639,7 @@
       </p:sp>
       <p:sp>
         <p:nvSpPr>
-          <p:cNvPr id="3" name="Content Placeholder 2"/>
+          <p:cNvPr id="5" name="Content Placeholder 4"/>
           <p:cNvSpPr>
             <a:spLocks noGrp="1"/>
           </p:cNvSpPr>
@@ -6327,215 +6653,73 @@
           <a:lstStyle/>
           <a:p>
             <a:r>
+              <a:rPr lang="en-US" dirty="0" smtClean="0"/>
+              <a:t>Who knows how long someone will have their page up</a:t>
+            </a:r>
+          </a:p>
+          <a:p>
+            <a:endParaRPr lang="en-US" dirty="0" smtClean="0"/>
+          </a:p>
+          <a:p>
+            <a:r>
+              <a:rPr lang="en-US" dirty="0" smtClean="0"/>
+              <a:t>Options</a:t>
+            </a:r>
+          </a:p>
+          <a:p>
+            <a:pPr lvl="1"/>
+            <a:r>
+              <a:rPr lang="en-US" dirty="0" smtClean="0"/>
+              <a:t>Optimistic</a:t>
+            </a:r>
+          </a:p>
+          <a:p>
+            <a:pPr lvl="2"/>
+            <a:r>
+              <a:rPr lang="en-US" dirty="0" err="1" smtClean="0"/>
+              <a:t>TimeStamp</a:t>
+            </a:r>
+            <a:r>
+              <a:rPr lang="en-US" dirty="0" smtClean="0"/>
+              <a:t>/</a:t>
+            </a:r>
+            <a:r>
               <a:rPr lang="en-US" dirty="0" err="1" smtClean="0"/>
               <a:t>RowVersion</a:t>
             </a:r>
-            <a:r>
-              <a:rPr lang="en-US" dirty="0" smtClean="0"/>
-              <a:t> and </a:t>
-            </a:r>
+            <a:endParaRPr lang="en-US" dirty="0" smtClean="0"/>
+          </a:p>
+          <a:p>
+            <a:pPr lvl="2"/>
             <a:r>
               <a:rPr lang="en-US" dirty="0" err="1" smtClean="0"/>
-              <a:t>TimeStamp</a:t>
-            </a:r>
-            <a:r>
-              <a:rPr lang="en-US" dirty="0" smtClean="0"/>
-              <a:t> mean the same thing</a:t>
-            </a:r>
-          </a:p>
-          <a:p>
-            <a:r>
-              <a:rPr lang="en-US" dirty="0" smtClean="0"/>
-              <a:t>Basic steps</a:t>
+              <a:t>ConcurrencyCheck</a:t>
+            </a:r>
+            <a:r>
+              <a:rPr lang="en-US" dirty="0" smtClean="0"/>
+              <a:t> to customize property</a:t>
             </a:r>
           </a:p>
           <a:p>
             <a:pPr lvl="1"/>
             <a:r>
               <a:rPr lang="en-US" dirty="0" smtClean="0"/>
-              <a:t>Add a property of type byte[]</a:t>
-            </a:r>
-          </a:p>
-          <a:p>
-            <a:pPr lvl="1"/>
-            <a:r>
-              <a:rPr lang="en-US" dirty="0" smtClean="0"/>
-              <a:t>Decorate the property with </a:t>
-            </a:r>
-            <a:r>
-              <a:rPr lang="en-US" dirty="0" err="1" smtClean="0"/>
-              <a:t>TimestampAttribute</a:t>
+              <a:t>Pessimistic</a:t>
             </a:r>
             <a:endParaRPr lang="en-US" dirty="0" smtClean="0"/>
           </a:p>
           <a:p>
-            <a:pPr lvl="1"/>
-            <a:endParaRPr lang="en-US" dirty="0"/>
-          </a:p>
-          <a:p>
-            <a:pPr marL="0" indent="0">
-              <a:buNone/>
-            </a:pPr>
-            <a:r>
-              <a:rPr lang="en-US" dirty="0" smtClean="0">
-                <a:solidFill>
-                  <a:srgbClr val="000000"/>
-                </a:solidFill>
-                <a:highlight>
-                  <a:srgbClr val="FFFFFF"/>
-                </a:highlight>
-                <a:latin typeface="Consolas" panose="020B0609020204030204" pitchFamily="49" charset="0"/>
-              </a:rPr>
-              <a:t>   [</a:t>
-            </a:r>
-            <a:r>
-              <a:rPr lang="en-US" dirty="0">
-                <a:solidFill>
-                  <a:srgbClr val="2B91AF"/>
-                </a:solidFill>
-                <a:highlight>
-                  <a:srgbClr val="FFFFFF"/>
-                </a:highlight>
-                <a:latin typeface="Consolas" panose="020B0609020204030204" pitchFamily="49" charset="0"/>
-              </a:rPr>
-              <a:t>Timestamp</a:t>
-            </a:r>
-            <a:r>
-              <a:rPr lang="en-US" dirty="0">
-                <a:solidFill>
-                  <a:srgbClr val="000000"/>
-                </a:solidFill>
-                <a:highlight>
-                  <a:srgbClr val="FFFFFF"/>
-                </a:highlight>
-                <a:latin typeface="Consolas" panose="020B0609020204030204" pitchFamily="49" charset="0"/>
-              </a:rPr>
-              <a:t>()]</a:t>
-            </a:r>
-          </a:p>
-          <a:p>
-            <a:pPr marL="0" indent="0">
-              <a:buNone/>
-            </a:pPr>
-            <a:r>
-              <a:rPr lang="en-US" dirty="0" smtClean="0">
-                <a:solidFill>
-                  <a:srgbClr val="0000FF"/>
-                </a:solidFill>
-                <a:highlight>
-                  <a:srgbClr val="FFFFFF"/>
-                </a:highlight>
-                <a:latin typeface="Consolas" panose="020B0609020204030204" pitchFamily="49" charset="0"/>
-              </a:rPr>
-              <a:t>   public</a:t>
-            </a:r>
-            <a:r>
-              <a:rPr lang="en-US" dirty="0" smtClean="0">
-                <a:solidFill>
-                  <a:srgbClr val="000000"/>
-                </a:solidFill>
-                <a:highlight>
-                  <a:srgbClr val="FFFFFF"/>
-                </a:highlight>
-                <a:latin typeface="Consolas" panose="020B0609020204030204" pitchFamily="49" charset="0"/>
-              </a:rPr>
-              <a:t> </a:t>
-            </a:r>
-            <a:r>
-              <a:rPr lang="en-US" dirty="0">
-                <a:solidFill>
-                  <a:srgbClr val="0000FF"/>
-                </a:solidFill>
-                <a:highlight>
-                  <a:srgbClr val="FFFFFF"/>
-                </a:highlight>
-                <a:latin typeface="Consolas" panose="020B0609020204030204" pitchFamily="49" charset="0"/>
-              </a:rPr>
-              <a:t>byte</a:t>
-            </a:r>
-            <a:r>
-              <a:rPr lang="en-US" dirty="0">
-                <a:solidFill>
-                  <a:srgbClr val="000000"/>
-                </a:solidFill>
-                <a:highlight>
-                  <a:srgbClr val="FFFFFF"/>
-                </a:highlight>
-                <a:latin typeface="Consolas" panose="020B0609020204030204" pitchFamily="49" charset="0"/>
-              </a:rPr>
-              <a:t>[] </a:t>
-            </a:r>
-            <a:r>
-              <a:rPr lang="en-US" dirty="0" err="1">
-                <a:solidFill>
-                  <a:srgbClr val="000000"/>
-                </a:solidFill>
-                <a:highlight>
-                  <a:srgbClr val="FFFFFF"/>
-                </a:highlight>
-                <a:latin typeface="Consolas" panose="020B0609020204030204" pitchFamily="49" charset="0"/>
-              </a:rPr>
-              <a:t>RowVersion</a:t>
-            </a:r>
-            <a:r>
-              <a:rPr lang="en-US" dirty="0">
-                <a:solidFill>
-                  <a:srgbClr val="000000"/>
-                </a:solidFill>
-                <a:highlight>
-                  <a:srgbClr val="FFFFFF"/>
-                </a:highlight>
-                <a:latin typeface="Consolas" panose="020B0609020204030204" pitchFamily="49" charset="0"/>
-              </a:rPr>
-              <a:t> { </a:t>
-            </a:r>
-            <a:r>
-              <a:rPr lang="en-US" dirty="0">
-                <a:solidFill>
-                  <a:srgbClr val="0000FF"/>
-                </a:solidFill>
-                <a:highlight>
-                  <a:srgbClr val="FFFFFF"/>
-                </a:highlight>
-                <a:latin typeface="Consolas" panose="020B0609020204030204" pitchFamily="49" charset="0"/>
-              </a:rPr>
-              <a:t>get</a:t>
-            </a:r>
-            <a:r>
-              <a:rPr lang="en-US" dirty="0">
-                <a:solidFill>
-                  <a:srgbClr val="000000"/>
-                </a:solidFill>
-                <a:highlight>
-                  <a:srgbClr val="FFFFFF"/>
-                </a:highlight>
-                <a:latin typeface="Consolas" panose="020B0609020204030204" pitchFamily="49" charset="0"/>
-              </a:rPr>
-              <a:t>; </a:t>
-            </a:r>
-            <a:r>
-              <a:rPr lang="en-US" dirty="0">
-                <a:solidFill>
-                  <a:srgbClr val="0000FF"/>
-                </a:solidFill>
-                <a:highlight>
-                  <a:srgbClr val="FFFFFF"/>
-                </a:highlight>
-                <a:latin typeface="Consolas" panose="020B0609020204030204" pitchFamily="49" charset="0"/>
-              </a:rPr>
-              <a:t>set</a:t>
-            </a:r>
-            <a:r>
-              <a:rPr lang="en-US" dirty="0">
-                <a:solidFill>
-                  <a:srgbClr val="000000"/>
-                </a:solidFill>
-                <a:highlight>
-                  <a:srgbClr val="FFFFFF"/>
-                </a:highlight>
-                <a:latin typeface="Consolas" panose="020B0609020204030204" pitchFamily="49" charset="0"/>
-              </a:rPr>
-              <a:t>; }</a:t>
+            <a:pPr lvl="2"/>
+            <a:r>
+              <a:rPr lang="en-US" dirty="0" smtClean="0"/>
+              <a:t>Set a flag on a row to prevent modification</a:t>
+            </a:r>
+          </a:p>
+          <a:p>
+            <a:pPr lvl="2"/>
+            <a:r>
+              <a:rPr lang="en-US" dirty="0" smtClean="0"/>
+              <a:t>Requires more work</a:t>
             </a:r>
             <a:endParaRPr lang="en-US" dirty="0"/>
           </a:p>
@@ -6544,7 +6728,7 @@
     </p:spTree>
     <p:extLst>
       <p:ext uri="{BB962C8B-B14F-4D97-AF65-F5344CB8AC3E}">
-        <p14:creationId xmlns:p14="http://schemas.microsoft.com/office/powerpoint/2010/main" val="3929146452"/>
+        <p14:creationId xmlns:p14="http://schemas.microsoft.com/office/powerpoint/2010/main" val="2535054173"/>
       </p:ext>
     </p:extLst>
   </p:cSld>
@@ -7369,21 +7553,6 @@
 </file>
 
 <file path=customXml/item1.xml><?xml version="1.0" encoding="utf-8"?>
-<?mso-contentType ?>
-<FormTemplates xmlns="http://schemas.microsoft.com/sharepoint/v3/contenttype/forms">
-  <Display>DocumentLibraryForm</Display>
-  <Edit>DocumentLibraryForm</Edit>
-  <New>DocumentLibraryForm</New>
-</FormTemplates>
-</file>
-
-<file path=customXml/item2.xml><?xml version="1.0" encoding="utf-8"?>
-<p:properties xmlns:p="http://schemas.microsoft.com/office/2006/metadata/properties" xmlns:xsi="http://www.w3.org/2001/XMLSchema-instance" xmlns:pc="http://schemas.microsoft.com/office/infopath/2007/PartnerControls">
-  <documentManagement/>
-</p:properties>
-</file>
-
-<file path=customXml/item3.xml><?xml version="1.0" encoding="utf-8"?>
 <ct:contentTypeSchema xmlns:ct="http://schemas.microsoft.com/office/2006/metadata/contentType" xmlns:ma="http://schemas.microsoft.com/office/2006/metadata/properties/metaAttributes" ct:_="" ma:_="" ma:contentTypeName="Document" ma:contentTypeID="0x010100A9B9146463917044969030790F8D7E1F" ma:contentTypeVersion="1" ma:contentTypeDescription="Create a new document." ma:contentTypeScope="" ma:versionID="88cb810aac341a62f87e1e4b3de4b413">
   <xsd:schema xmlns:xsd="http://www.w3.org/2001/XMLSchema" xmlns:xs="http://www.w3.org/2001/XMLSchema" xmlns:p="http://schemas.microsoft.com/office/2006/metadata/properties" xmlns:ns3="239b4775-11ac-4188-ac69-b5b775bb2155" targetNamespace="http://schemas.microsoft.com/office/2006/metadata/properties" ma:root="true" ma:fieldsID="a6232b10dbb3dfcaf3920bb7009c4722" ns3:_="">
     <xsd:import namespace="239b4775-11ac-4188-ac69-b5b775bb2155"/>
@@ -7523,10 +7692,35 @@
 </ct:contentTypeSchema>
 </file>
 
+<file path=customXml/item2.xml><?xml version="1.0" encoding="utf-8"?>
+<p:properties xmlns:p="http://schemas.microsoft.com/office/2006/metadata/properties" xmlns:xsi="http://www.w3.org/2001/XMLSchema-instance" xmlns:pc="http://schemas.microsoft.com/office/infopath/2007/PartnerControls">
+  <documentManagement/>
+</p:properties>
+</file>
+
+<file path=customXml/item3.xml><?xml version="1.0" encoding="utf-8"?>
+<?mso-contentType ?>
+<FormTemplates xmlns="http://schemas.microsoft.com/sharepoint/v3/contenttype/forms">
+  <Display>DocumentLibraryForm</Display>
+  <Edit>DocumentLibraryForm</Edit>
+  <New>DocumentLibraryForm</New>
+</FormTemplates>
+</file>
+
 <file path=customXml/itemProps1.xml><?xml version="1.0" encoding="utf-8"?>
-<ds:datastoreItem xmlns:ds="http://schemas.openxmlformats.org/officeDocument/2006/customXml" ds:itemID="{B0CA13EC-1D3C-4D6F-8D1C-E8A452CFC79A}">
+<ds:datastoreItem xmlns:ds="http://schemas.openxmlformats.org/officeDocument/2006/customXml" ds:itemID="{0785A4C7-B234-45E3-92B4-D7E0909F829E}">
   <ds:schemaRefs>
-    <ds:schemaRef ds:uri="http://schemas.microsoft.com/sharepoint/v3/contenttype/forms"/>
+    <ds:schemaRef ds:uri="http://schemas.microsoft.com/office/2006/metadata/contentType"/>
+    <ds:schemaRef ds:uri="http://schemas.microsoft.com/office/2006/metadata/properties/metaAttributes"/>
+    <ds:schemaRef ds:uri="http://www.w3.org/2001/XMLSchema"/>
+    <ds:schemaRef ds:uri="http://schemas.microsoft.com/office/2006/metadata/properties"/>
+    <ds:schemaRef ds:uri="239b4775-11ac-4188-ac69-b5b775bb2155"/>
+    <ds:schemaRef ds:uri="http://schemas.microsoft.com/office/2006/documentManagement/types"/>
+    <ds:schemaRef ds:uri="http://schemas.microsoft.com/office/infopath/2007/PartnerControls"/>
+    <ds:schemaRef ds:uri="http://schemas.openxmlformats.org/package/2006/metadata/core-properties"/>
+    <ds:schemaRef ds:uri="http://purl.org/dc/elements/1.1/"/>
+    <ds:schemaRef ds:uri="http://purl.org/dc/terms/"/>
+    <ds:schemaRef ds:uri="http://schemas.microsoft.com/internal/obd"/>
   </ds:schemaRefs>
 </ds:datastoreItem>
 </file>
@@ -7548,19 +7742,9 @@
 </file>
 
 <file path=customXml/itemProps3.xml><?xml version="1.0" encoding="utf-8"?>
-<ds:datastoreItem xmlns:ds="http://schemas.openxmlformats.org/officeDocument/2006/customXml" ds:itemID="{0785A4C7-B234-45E3-92B4-D7E0909F829E}">
+<ds:datastoreItem xmlns:ds="http://schemas.openxmlformats.org/officeDocument/2006/customXml" ds:itemID="{B0CA13EC-1D3C-4D6F-8D1C-E8A452CFC79A}">
   <ds:schemaRefs>
-    <ds:schemaRef ds:uri="http://schemas.microsoft.com/office/2006/metadata/contentType"/>
-    <ds:schemaRef ds:uri="http://schemas.microsoft.com/office/2006/metadata/properties/metaAttributes"/>
-    <ds:schemaRef ds:uri="http://www.w3.org/2001/XMLSchema"/>
-    <ds:schemaRef ds:uri="http://schemas.microsoft.com/office/2006/metadata/properties"/>
-    <ds:schemaRef ds:uri="239b4775-11ac-4188-ac69-b5b775bb2155"/>
-    <ds:schemaRef ds:uri="http://schemas.microsoft.com/office/2006/documentManagement/types"/>
-    <ds:schemaRef ds:uri="http://schemas.microsoft.com/office/infopath/2007/PartnerControls"/>
-    <ds:schemaRef ds:uri="http://schemas.openxmlformats.org/package/2006/metadata/core-properties"/>
-    <ds:schemaRef ds:uri="http://purl.org/dc/elements/1.1/"/>
-    <ds:schemaRef ds:uri="http://purl.org/dc/terms/"/>
-    <ds:schemaRef ds:uri="http://schemas.microsoft.com/internal/obd"/>
+    <ds:schemaRef ds:uri="http://schemas.microsoft.com/sharepoint/v3/contenttype/forms"/>
   </ds:schemaRefs>
 </ds:datastoreItem>
 </file>